--- a/Documentation/PresentazioneProgetto.pptx
+++ b/Documentation/PresentazioneProgetto.pptx
@@ -13,12 +13,16 @@
     <p:sldId id="259" r:id="rId7"/>
     <p:sldId id="260" r:id="rId8"/>
     <p:sldId id="262" r:id="rId9"/>
-    <p:sldId id="261" r:id="rId10"/>
-    <p:sldId id="263" r:id="rId11"/>
-    <p:sldId id="264" r:id="rId12"/>
-    <p:sldId id="265" r:id="rId13"/>
-    <p:sldId id="266" r:id="rId14"/>
-    <p:sldId id="267" r:id="rId15"/>
+    <p:sldId id="274" r:id="rId10"/>
+    <p:sldId id="261" r:id="rId11"/>
+    <p:sldId id="263" r:id="rId12"/>
+    <p:sldId id="264" r:id="rId13"/>
+    <p:sldId id="265" r:id="rId14"/>
+    <p:sldId id="273" r:id="rId15"/>
+    <p:sldId id="270" r:id="rId16"/>
+    <p:sldId id="266" r:id="rId17"/>
+    <p:sldId id="272" r:id="rId18"/>
+    <p:sldId id="267" r:id="rId19"/>
   </p:sldIdLst>
   <p:sldSz cx="12192000" cy="6858000"/>
   <p:notesSz cx="6858000" cy="9144000"/>
@@ -117,6 +121,11 @@
       </a:defRPr>
     </a:lvl9pPr>
   </p:defaultTextStyle>
+  <p:extLst>
+    <p:ext uri="{EFAFB233-063F-42B5-8137-9DF3F51BA10A}">
+      <p15:sldGuideLst xmlns:p15="http://schemas.microsoft.com/office/powerpoint/2012/main"/>
+    </p:ext>
+  </p:extLst>
 </p:presentation>
 </file>
 
@@ -4396,7 +4405,7 @@
           <a:p>
             <a:fld id="{48A87A34-81AB-432B-8DAE-1953F412C126}" type="datetimeFigureOut">
               <a:rPr lang="en-US" dirty="0"/>
-              <a:t>2/8/22</a:t>
+              <a:t>2/10/22</a:t>
             </a:fld>
             <a:endParaRPr lang="en-US" dirty="0"/>
           </a:p>
@@ -4658,7 +4667,7 @@
           <a:p>
             <a:fld id="{48A87A34-81AB-432B-8DAE-1953F412C126}" type="datetimeFigureOut">
               <a:rPr lang="en-US" dirty="0"/>
-              <a:t>2/8/22</a:t>
+              <a:t>2/10/22</a:t>
             </a:fld>
             <a:endParaRPr lang="en-US" dirty="0"/>
           </a:p>
@@ -4849,7 +4858,7 @@
           <a:p>
             <a:fld id="{48A87A34-81AB-432B-8DAE-1953F412C126}" type="datetimeFigureOut">
               <a:rPr lang="en-US" dirty="0"/>
-              <a:t>2/8/22</a:t>
+              <a:t>2/10/22</a:t>
             </a:fld>
             <a:endParaRPr lang="en-US" dirty="0"/>
           </a:p>
@@ -5107,7 +5116,7 @@
           <a:p>
             <a:fld id="{48A87A34-81AB-432B-8DAE-1953F412C126}" type="datetimeFigureOut">
               <a:rPr lang="en-US" dirty="0"/>
-              <a:t>2/8/22</a:t>
+              <a:t>2/10/22</a:t>
             </a:fld>
             <a:endParaRPr lang="en-US" dirty="0"/>
           </a:p>
@@ -5536,7 +5545,7 @@
           <a:p>
             <a:fld id="{48A87A34-81AB-432B-8DAE-1953F412C126}" type="datetimeFigureOut">
               <a:rPr lang="en-US" dirty="0"/>
-              <a:t>2/8/22</a:t>
+              <a:t>2/10/22</a:t>
             </a:fld>
             <a:endParaRPr lang="en-US" dirty="0"/>
           </a:p>
@@ -6077,7 +6086,7 @@
           <a:p>
             <a:fld id="{48A87A34-81AB-432B-8DAE-1953F412C126}" type="datetimeFigureOut">
               <a:rPr lang="en-US" dirty="0"/>
-              <a:t>2/8/22</a:t>
+              <a:t>2/10/22</a:t>
             </a:fld>
             <a:endParaRPr lang="en-US" dirty="0"/>
           </a:p>
@@ -6792,7 +6801,7 @@
           <a:p>
             <a:fld id="{48A87A34-81AB-432B-8DAE-1953F412C126}" type="datetimeFigureOut">
               <a:rPr lang="en-US" dirty="0"/>
-              <a:t>2/8/22</a:t>
+              <a:t>2/10/22</a:t>
             </a:fld>
             <a:endParaRPr lang="en-US" dirty="0"/>
           </a:p>
@@ -6957,7 +6966,7 @@
           <a:p>
             <a:fld id="{48A87A34-81AB-432B-8DAE-1953F412C126}" type="datetimeFigureOut">
               <a:rPr lang="en-US" dirty="0"/>
-              <a:t>2/8/22</a:t>
+              <a:t>2/10/22</a:t>
             </a:fld>
             <a:endParaRPr lang="en-US" dirty="0"/>
           </a:p>
@@ -7132,7 +7141,7 @@
           <a:p>
             <a:fld id="{48A87A34-81AB-432B-8DAE-1953F412C126}" type="datetimeFigureOut">
               <a:rPr lang="en-US" dirty="0"/>
-              <a:t>2/8/22</a:t>
+              <a:t>2/10/22</a:t>
             </a:fld>
             <a:endParaRPr lang="en-US" dirty="0"/>
           </a:p>
@@ -7297,7 +7306,7 @@
           <a:p>
             <a:fld id="{48A87A34-81AB-432B-8DAE-1953F412C126}" type="datetimeFigureOut">
               <a:rPr lang="en-US" dirty="0"/>
-              <a:t>2/8/22</a:t>
+              <a:t>2/10/22</a:t>
             </a:fld>
             <a:endParaRPr lang="en-US" dirty="0"/>
           </a:p>
@@ -7542,7 +7551,7 @@
           <a:p>
             <a:fld id="{48A87A34-81AB-432B-8DAE-1953F412C126}" type="datetimeFigureOut">
               <a:rPr lang="en-US" dirty="0"/>
-              <a:t>2/8/22</a:t>
+              <a:t>2/10/22</a:t>
             </a:fld>
             <a:endParaRPr lang="en-US" dirty="0"/>
           </a:p>
@@ -7769,7 +7778,7 @@
           <a:p>
             <a:fld id="{48A87A34-81AB-432B-8DAE-1953F412C126}" type="datetimeFigureOut">
               <a:rPr lang="en-US" dirty="0"/>
-              <a:t>2/8/22</a:t>
+              <a:t>2/10/22</a:t>
             </a:fld>
             <a:endParaRPr lang="en-US" dirty="0"/>
           </a:p>
@@ -8145,7 +8154,7 @@
           <a:p>
             <a:fld id="{48A87A34-81AB-432B-8DAE-1953F412C126}" type="datetimeFigureOut">
               <a:rPr lang="en-US" dirty="0"/>
-              <a:t>2/8/22</a:t>
+              <a:t>2/10/22</a:t>
             </a:fld>
             <a:endParaRPr lang="en-US" dirty="0"/>
           </a:p>
@@ -8258,7 +8267,7 @@
           <a:p>
             <a:fld id="{48A87A34-81AB-432B-8DAE-1953F412C126}" type="datetimeFigureOut">
               <a:rPr lang="en-US" dirty="0"/>
-              <a:t>2/8/22</a:t>
+              <a:t>2/10/22</a:t>
             </a:fld>
             <a:endParaRPr lang="en-US" dirty="0"/>
           </a:p>
@@ -8348,7 +8357,7 @@
           <a:p>
             <a:fld id="{48A87A34-81AB-432B-8DAE-1953F412C126}" type="datetimeFigureOut">
               <a:rPr lang="en-US" dirty="0"/>
-              <a:t>2/8/22</a:t>
+              <a:t>2/10/22</a:t>
             </a:fld>
             <a:endParaRPr lang="en-US" dirty="0"/>
           </a:p>
@@ -8592,7 +8601,7 @@
           <a:p>
             <a:fld id="{48A87A34-81AB-432B-8DAE-1953F412C126}" type="datetimeFigureOut">
               <a:rPr lang="en-US" dirty="0"/>
-              <a:t>2/8/22</a:t>
+              <a:t>2/10/22</a:t>
             </a:fld>
             <a:endParaRPr lang="en-US" dirty="0"/>
           </a:p>
@@ -8867,7 +8876,7 @@
           <a:p>
             <a:fld id="{48A87A34-81AB-432B-8DAE-1953F412C126}" type="datetimeFigureOut">
               <a:rPr lang="en-US" dirty="0"/>
-              <a:t>2/8/22</a:t>
+              <a:t>2/10/22</a:t>
             </a:fld>
             <a:endParaRPr lang="en-US" dirty="0"/>
           </a:p>
@@ -11940,7 +11949,7 @@
             <a:fld id="{48A87A34-81AB-432B-8DAE-1953F412C126}" type="datetimeFigureOut">
               <a:rPr lang="en-US" dirty="0"/>
               <a:pPr/>
-              <a:t>2/8/22</a:t>
+              <a:t>2/10/22</a:t>
             </a:fld>
             <a:endParaRPr lang="en-US" dirty="0"/>
           </a:p>
@@ -12441,6 +12450,147 @@
           <p:cNvPr id="2" name="Titolo 1">
             <a:extLst>
               <a:ext uri="{FF2B5EF4-FFF2-40B4-BE49-F238E27FC236}">
+                <a16:creationId xmlns:a16="http://schemas.microsoft.com/office/drawing/2014/main" id="{D54FA476-0B9C-064E-AB93-80D21EDB575E}"/>
+              </a:ext>
+            </a:extLst>
+          </p:cNvPr>
+          <p:cNvSpPr>
+            <a:spLocks noGrp="1"/>
+          </p:cNvSpPr>
+          <p:nvPr>
+            <p:ph type="title"/>
+          </p:nvPr>
+        </p:nvSpPr>
+        <p:spPr/>
+        <p:txBody>
+          <a:bodyPr/>
+          <a:lstStyle/>
+          <a:p>
+            <a:r>
+              <a:rPr lang="it-IT" dirty="0"/>
+              <a:t>Sprint 2</a:t>
+            </a:r>
+          </a:p>
+        </p:txBody>
+      </p:sp>
+      <p:sp>
+        <p:nvSpPr>
+          <p:cNvPr id="3" name="Segnaposto contenuto 2">
+            <a:extLst>
+              <a:ext uri="{FF2B5EF4-FFF2-40B4-BE49-F238E27FC236}">
+                <a16:creationId xmlns:a16="http://schemas.microsoft.com/office/drawing/2014/main" id="{F9EFCE2C-2500-CC43-A18A-A0CB10B009C0}"/>
+              </a:ext>
+            </a:extLst>
+          </p:cNvPr>
+          <p:cNvSpPr>
+            <a:spLocks noGrp="1"/>
+          </p:cNvSpPr>
+          <p:nvPr>
+            <p:ph idx="1"/>
+          </p:nvPr>
+        </p:nvSpPr>
+        <p:spPr/>
+        <p:txBody>
+          <a:bodyPr/>
+          <a:lstStyle/>
+          <a:p>
+            <a:r>
+              <a:rPr lang="it-IT" dirty="0"/>
+              <a:t>Siamo giunti alla conclusione che i database relazionali sono brutti </a:t>
+            </a:r>
+            <a:r>
+              <a:rPr lang="it-IT" dirty="0">
+                <a:sym typeface="Wingdings" pitchFamily="2" charset="2"/>
+              </a:rPr>
+              <a:t>:( </a:t>
+            </a:r>
+            <a:r>
+              <a:rPr lang="it-IT" dirty="0" err="1">
+                <a:sym typeface="Wingdings" pitchFamily="2" charset="2"/>
+              </a:rPr>
+              <a:t>Sql</a:t>
+            </a:r>
+            <a:r>
+              <a:rPr lang="it-IT" dirty="0">
+                <a:sym typeface="Wingdings" pitchFamily="2" charset="2"/>
+              </a:rPr>
+              <a:t> lite funziona male per </a:t>
+            </a:r>
+            <a:r>
+              <a:rPr lang="it-IT" dirty="0" err="1">
+                <a:sym typeface="Wingdings" pitchFamily="2" charset="2"/>
+              </a:rPr>
+              <a:t>flutter</a:t>
+            </a:r>
+            <a:r>
+              <a:rPr lang="it-IT" dirty="0">
+                <a:sym typeface="Wingdings" pitchFamily="2" charset="2"/>
+              </a:rPr>
+              <a:t> e quindi abbiamo deciso di passare a un tipo di database NOSQL, cioè al </a:t>
+            </a:r>
+            <a:r>
+              <a:rPr lang="it-IT" dirty="0" err="1">
+                <a:sym typeface="Wingdings" pitchFamily="2" charset="2"/>
+              </a:rPr>
+              <a:t>real</a:t>
+            </a:r>
+            <a:r>
+              <a:rPr lang="it-IT" dirty="0">
+                <a:sym typeface="Wingdings" pitchFamily="2" charset="2"/>
+              </a:rPr>
+              <a:t> time database di </a:t>
+            </a:r>
+            <a:r>
+              <a:rPr lang="it-IT" dirty="0" err="1">
+                <a:sym typeface="Wingdings" pitchFamily="2" charset="2"/>
+              </a:rPr>
+              <a:t>Firebase</a:t>
+            </a:r>
+            <a:r>
+              <a:rPr lang="it-IT" dirty="0">
+                <a:sym typeface="Wingdings" pitchFamily="2" charset="2"/>
+              </a:rPr>
+              <a:t>, </a:t>
+            </a:r>
+            <a:endParaRPr lang="it-IT" dirty="0"/>
+          </a:p>
+        </p:txBody>
+      </p:sp>
+    </p:spTree>
+    <p:extLst>
+      <p:ext uri="{BB962C8B-B14F-4D97-AF65-F5344CB8AC3E}">
+        <p14:creationId xmlns:p14="http://schemas.microsoft.com/office/powerpoint/2010/main" val="1689877656"/>
+      </p:ext>
+    </p:extLst>
+  </p:cSld>
+  <p:clrMapOvr>
+    <a:masterClrMapping/>
+  </p:clrMapOvr>
+</p:sld>
+</file>
+
+<file path=ppt/slides/slide11.xml><?xml version="1.0" encoding="utf-8"?>
+<p:sld xmlns:a="http://schemas.openxmlformats.org/drawingml/2006/main" xmlns:r="http://schemas.openxmlformats.org/officeDocument/2006/relationships" xmlns:p="http://schemas.openxmlformats.org/presentationml/2006/main">
+  <p:cSld>
+    <p:spTree>
+      <p:nvGrpSpPr>
+        <p:cNvPr id="1" name=""/>
+        <p:cNvGrpSpPr/>
+        <p:nvPr/>
+      </p:nvGrpSpPr>
+      <p:grpSpPr>
+        <a:xfrm>
+          <a:off x="0" y="0"/>
+          <a:ext cx="0" cy="0"/>
+          <a:chOff x="0" y="0"/>
+          <a:chExt cx="0" cy="0"/>
+        </a:xfrm>
+      </p:grpSpPr>
+      <p:sp>
+        <p:nvSpPr>
+          <p:cNvPr id="2" name="Titolo 1">
+            <a:extLst>
+              <a:ext uri="{FF2B5EF4-FFF2-40B4-BE49-F238E27FC236}">
                 <a16:creationId xmlns:a16="http://schemas.microsoft.com/office/drawing/2014/main" id="{B9B8EC10-EA31-F64F-8E63-269090478BAD}"/>
               </a:ext>
             </a:extLst>
@@ -12502,7 +12652,7 @@
 </p:sld>
 </file>
 
-<file path=ppt/slides/slide11.xml><?xml version="1.0" encoding="utf-8"?>
+<file path=ppt/slides/slide12.xml><?xml version="1.0" encoding="utf-8"?>
 <p:sld xmlns:a="http://schemas.openxmlformats.org/drawingml/2006/main" xmlns:r="http://schemas.openxmlformats.org/officeDocument/2006/relationships" xmlns:p="http://schemas.openxmlformats.org/presentationml/2006/main">
   <p:cSld>
     <p:spTree>
@@ -12590,7 +12740,7 @@
 </p:sld>
 </file>
 
-<file path=ppt/slides/slide12.xml><?xml version="1.0" encoding="utf-8"?>
+<file path=ppt/slides/slide13.xml><?xml version="1.0" encoding="utf-8"?>
 <p:sld xmlns:a="http://schemas.openxmlformats.org/drawingml/2006/main" xmlns:r="http://schemas.openxmlformats.org/officeDocument/2006/relationships" xmlns:p="http://schemas.openxmlformats.org/presentationml/2006/main">
   <p:cSld>
     <p:spTree>
@@ -12657,7 +12807,43 @@
           <a:bodyPr/>
           <a:lstStyle/>
           <a:p>
-            <a:endParaRPr lang="it-IT"/>
+            <a:r>
+              <a:rPr lang="it-IT" dirty="0"/>
+              <a:t>Unit test</a:t>
+            </a:r>
+          </a:p>
+          <a:p>
+            <a:r>
+              <a:rPr lang="it-IT" dirty="0" err="1"/>
+              <a:t>Widget</a:t>
+            </a:r>
+            <a:r>
+              <a:rPr lang="it-IT" dirty="0"/>
+              <a:t> </a:t>
+            </a:r>
+            <a:r>
+              <a:rPr lang="it-IT" dirty="0" err="1"/>
+              <a:t>testing</a:t>
+            </a:r>
+            <a:endParaRPr lang="it-IT" dirty="0"/>
+          </a:p>
+          <a:p>
+            <a:r>
+              <a:rPr lang="it-IT" dirty="0" err="1"/>
+              <a:t>Firebase</a:t>
+            </a:r>
+            <a:r>
+              <a:rPr lang="it-IT" dirty="0"/>
+              <a:t> </a:t>
+            </a:r>
+            <a:r>
+              <a:rPr lang="it-IT" dirty="0" err="1"/>
+              <a:t>testing</a:t>
+            </a:r>
+            <a:endParaRPr lang="it-IT" dirty="0"/>
+          </a:p>
+          <a:p>
+            <a:endParaRPr lang="it-IT" dirty="0"/>
           </a:p>
         </p:txBody>
       </p:sp>
@@ -12674,7 +12860,287 @@
 </p:sld>
 </file>
 
-<file path=ppt/slides/slide13.xml><?xml version="1.0" encoding="utf-8"?>
+<file path=ppt/slides/slide14.xml><?xml version="1.0" encoding="utf-8"?>
+<p:sld xmlns:a="http://schemas.openxmlformats.org/drawingml/2006/main" xmlns:r="http://schemas.openxmlformats.org/officeDocument/2006/relationships" xmlns:p="http://schemas.openxmlformats.org/presentationml/2006/main">
+  <p:cSld>
+    <p:spTree>
+      <p:nvGrpSpPr>
+        <p:cNvPr id="1" name=""/>
+        <p:cNvGrpSpPr/>
+        <p:nvPr/>
+      </p:nvGrpSpPr>
+      <p:grpSpPr>
+        <a:xfrm>
+          <a:off x="0" y="0"/>
+          <a:ext cx="0" cy="0"/>
+          <a:chOff x="0" y="0"/>
+          <a:chExt cx="0" cy="0"/>
+        </a:xfrm>
+      </p:grpSpPr>
+      <p:sp>
+        <p:nvSpPr>
+          <p:cNvPr id="2" name="Titolo 1">
+            <a:extLst>
+              <a:ext uri="{FF2B5EF4-FFF2-40B4-BE49-F238E27FC236}">
+                <a16:creationId xmlns:a16="http://schemas.microsoft.com/office/drawing/2014/main" id="{A54E05EB-6E04-EA43-A0CD-78AD778E63E5}"/>
+              </a:ext>
+            </a:extLst>
+          </p:cNvPr>
+          <p:cNvSpPr>
+            <a:spLocks noGrp="1"/>
+          </p:cNvSpPr>
+          <p:nvPr>
+            <p:ph type="title"/>
+          </p:nvPr>
+        </p:nvSpPr>
+        <p:spPr/>
+        <p:txBody>
+          <a:bodyPr/>
+          <a:lstStyle/>
+          <a:p>
+            <a:r>
+              <a:rPr lang="it-IT" dirty="0" err="1"/>
+              <a:t>Firebase</a:t>
+            </a:r>
+            <a:r>
+              <a:rPr lang="it-IT" dirty="0"/>
+              <a:t> </a:t>
+            </a:r>
+            <a:r>
+              <a:rPr lang="it-IT" dirty="0" err="1"/>
+              <a:t>testing</a:t>
+            </a:r>
+            <a:endParaRPr lang="it-IT" dirty="0"/>
+          </a:p>
+        </p:txBody>
+      </p:sp>
+      <p:pic>
+        <p:nvPicPr>
+          <p:cNvPr id="5" name="Segnaposto contenuto 4">
+            <a:extLst>
+              <a:ext uri="{FF2B5EF4-FFF2-40B4-BE49-F238E27FC236}">
+                <a16:creationId xmlns:a16="http://schemas.microsoft.com/office/drawing/2014/main" id="{90389C17-CA92-2043-9C9B-B768502299E2}"/>
+              </a:ext>
+            </a:extLst>
+          </p:cNvPr>
+          <p:cNvPicPr>
+            <a:picLocks noGrp="1" noChangeAspect="1"/>
+          </p:cNvPicPr>
+          <p:nvPr>
+            <p:ph idx="1"/>
+          </p:nvPr>
+        </p:nvPicPr>
+        <p:blipFill>
+          <a:blip r:embed="rId2"/>
+          <a:stretch>
+            <a:fillRect/>
+          </a:stretch>
+        </p:blipFill>
+        <p:spPr>
+          <a:xfrm>
+            <a:off x="1973669" y="1759472"/>
+            <a:ext cx="8244661" cy="4605701"/>
+          </a:xfrm>
+        </p:spPr>
+      </p:pic>
+    </p:spTree>
+    <p:extLst>
+      <p:ext uri="{BB962C8B-B14F-4D97-AF65-F5344CB8AC3E}">
+        <p14:creationId xmlns:p14="http://schemas.microsoft.com/office/powerpoint/2010/main" val="1410129864"/>
+      </p:ext>
+    </p:extLst>
+  </p:cSld>
+  <p:clrMapOvr>
+    <a:masterClrMapping/>
+  </p:clrMapOvr>
+</p:sld>
+</file>
+
+<file path=ppt/slides/slide15.xml><?xml version="1.0" encoding="utf-8"?>
+<p:sld xmlns:a="http://schemas.openxmlformats.org/drawingml/2006/main" xmlns:r="http://schemas.openxmlformats.org/officeDocument/2006/relationships" xmlns:p="http://schemas.openxmlformats.org/presentationml/2006/main">
+  <p:cSld>
+    <p:spTree>
+      <p:nvGrpSpPr>
+        <p:cNvPr id="1" name=""/>
+        <p:cNvGrpSpPr/>
+        <p:nvPr/>
+      </p:nvGrpSpPr>
+      <p:grpSpPr>
+        <a:xfrm>
+          <a:off x="0" y="0"/>
+          <a:ext cx="0" cy="0"/>
+          <a:chOff x="0" y="0"/>
+          <a:chExt cx="0" cy="0"/>
+        </a:xfrm>
+      </p:grpSpPr>
+      <p:sp>
+        <p:nvSpPr>
+          <p:cNvPr id="2" name="Titolo 1">
+            <a:extLst>
+              <a:ext uri="{FF2B5EF4-FFF2-40B4-BE49-F238E27FC236}">
+                <a16:creationId xmlns:a16="http://schemas.microsoft.com/office/drawing/2014/main" id="{3798160C-939A-154E-8AEF-B645268ADEDC}"/>
+              </a:ext>
+            </a:extLst>
+          </p:cNvPr>
+          <p:cNvSpPr>
+            <a:spLocks noGrp="1"/>
+          </p:cNvSpPr>
+          <p:nvPr>
+            <p:ph type="title"/>
+          </p:nvPr>
+        </p:nvSpPr>
+        <p:spPr/>
+        <p:txBody>
+          <a:bodyPr/>
+          <a:lstStyle/>
+          <a:p>
+            <a:r>
+              <a:rPr lang="it-IT" dirty="0" err="1"/>
+              <a:t>Continuos</a:t>
+            </a:r>
+            <a:r>
+              <a:rPr lang="it-IT" dirty="0"/>
+              <a:t> </a:t>
+            </a:r>
+            <a:r>
+              <a:rPr lang="it-IT" dirty="0" err="1"/>
+              <a:t>integration</a:t>
+            </a:r>
+            <a:r>
+              <a:rPr lang="it-IT" dirty="0"/>
+              <a:t> with </a:t>
+            </a:r>
+            <a:r>
+              <a:rPr lang="it-IT" dirty="0" err="1"/>
+              <a:t>travis</a:t>
+            </a:r>
+            <a:endParaRPr lang="it-IT" dirty="0"/>
+          </a:p>
+        </p:txBody>
+      </p:sp>
+      <p:pic>
+        <p:nvPicPr>
+          <p:cNvPr id="6" name="Segnaposto contenuto 5" descr="Immagine che contiene testo, screenshot, computer, portatile&#10;&#10;Descrizione generata automaticamente">
+            <a:extLst>
+              <a:ext uri="{FF2B5EF4-FFF2-40B4-BE49-F238E27FC236}">
+                <a16:creationId xmlns:a16="http://schemas.microsoft.com/office/drawing/2014/main" id="{3AA474DF-2843-6E4A-A50E-85558B302D1C}"/>
+              </a:ext>
+            </a:extLst>
+          </p:cNvPr>
+          <p:cNvPicPr>
+            <a:picLocks noGrp="1" noChangeAspect="1"/>
+          </p:cNvPicPr>
+          <p:nvPr>
+            <p:ph idx="1"/>
+          </p:nvPr>
+        </p:nvPicPr>
+        <p:blipFill rotWithShape="1">
+          <a:blip r:embed="rId2"/>
+          <a:srcRect l="42577" t="19199" r="41897" b="57015"/>
+          <a:stretch/>
+        </p:blipFill>
+        <p:spPr>
+          <a:xfrm>
+            <a:off x="9009206" y="777552"/>
+            <a:ext cx="846667" cy="842434"/>
+          </a:xfrm>
+        </p:spPr>
+      </p:pic>
+      <p:pic>
+        <p:nvPicPr>
+          <p:cNvPr id="8" name="Immagine 7" descr="Immagine che contiene testo&#10;&#10;Descrizione generata automaticamente">
+            <a:extLst>
+              <a:ext uri="{FF2B5EF4-FFF2-40B4-BE49-F238E27FC236}">
+                <a16:creationId xmlns:a16="http://schemas.microsoft.com/office/drawing/2014/main" id="{E36022B5-35DF-DA49-886C-4B021DB4601D}"/>
+              </a:ext>
+            </a:extLst>
+          </p:cNvPr>
+          <p:cNvPicPr>
+            <a:picLocks noChangeAspect="1"/>
+          </p:cNvPicPr>
+          <p:nvPr/>
+        </p:nvPicPr>
+        <p:blipFill>
+          <a:blip r:embed="rId3"/>
+          <a:stretch>
+            <a:fillRect/>
+          </a:stretch>
+        </p:blipFill>
+        <p:spPr>
+          <a:xfrm>
+            <a:off x="740747" y="1779020"/>
+            <a:ext cx="10707329" cy="3451123"/>
+          </a:xfrm>
+          <a:prstGeom prst="rect">
+            <a:avLst/>
+          </a:prstGeom>
+        </p:spPr>
+      </p:pic>
+      <p:sp>
+        <p:nvSpPr>
+          <p:cNvPr id="4" name="CasellaDiTesto 3">
+            <a:extLst>
+              <a:ext uri="{FF2B5EF4-FFF2-40B4-BE49-F238E27FC236}">
+                <a16:creationId xmlns:a16="http://schemas.microsoft.com/office/drawing/2014/main" id="{42494002-C189-7C4D-91A6-72B545102F5E}"/>
+              </a:ext>
+            </a:extLst>
+          </p:cNvPr>
+          <p:cNvSpPr txBox="1"/>
+          <p:nvPr/>
+        </p:nvSpPr>
+        <p:spPr>
+          <a:xfrm>
+            <a:off x="963827" y="5387546"/>
+            <a:ext cx="7258013" cy="369332"/>
+          </a:xfrm>
+          <a:prstGeom prst="rect">
+            <a:avLst/>
+          </a:prstGeom>
+          <a:noFill/>
+        </p:spPr>
+        <p:txBody>
+          <a:bodyPr wrap="none" rtlCol="0">
+            <a:spAutoFit/>
+          </a:bodyPr>
+          <a:lstStyle/>
+          <a:p>
+            <a:r>
+              <a:rPr lang="it-IT" dirty="0"/>
+              <a:t>Ogni 24 h e ogni </a:t>
+            </a:r>
+            <a:r>
+              <a:rPr lang="it-IT" dirty="0" err="1"/>
+              <a:t>git</a:t>
+            </a:r>
+            <a:r>
+              <a:rPr lang="it-IT" dirty="0"/>
+              <a:t> viene fatto un test di </a:t>
+            </a:r>
+            <a:r>
+              <a:rPr lang="it-IT" dirty="0" err="1"/>
+              <a:t>Travis</a:t>
+            </a:r>
+            <a:r>
+              <a:rPr lang="it-IT" dirty="0"/>
+              <a:t> per vedere se i test passano</a:t>
+            </a:r>
+          </a:p>
+        </p:txBody>
+      </p:sp>
+    </p:spTree>
+    <p:extLst>
+      <p:ext uri="{BB962C8B-B14F-4D97-AF65-F5344CB8AC3E}">
+        <p14:creationId xmlns:p14="http://schemas.microsoft.com/office/powerpoint/2010/main" val="1854385002"/>
+      </p:ext>
+    </p:extLst>
+  </p:cSld>
+  <p:clrMapOvr>
+    <a:masterClrMapping/>
+  </p:clrMapOvr>
+</p:sld>
+</file>
+
+<file path=ppt/slides/slide16.xml><?xml version="1.0" encoding="utf-8"?>
 <p:sld xmlns:a="http://schemas.openxmlformats.org/drawingml/2006/main" xmlns:r="http://schemas.openxmlformats.org/officeDocument/2006/relationships" xmlns:p="http://schemas.openxmlformats.org/presentationml/2006/main">
   <p:cSld>
     <p:spTree>
@@ -12749,7 +13215,130 @@
           <a:bodyPr/>
           <a:lstStyle/>
           <a:p>
-            <a:endParaRPr lang="it-IT"/>
+            <a:pPr marL="0" indent="0">
+              <a:buNone/>
+            </a:pPr>
+            <a:r>
+              <a:rPr lang="it-IT" dirty="0"/>
+              <a:t>Si utilizzano alcuni parametri per garantire la qualità come:</a:t>
+            </a:r>
+          </a:p>
+          <a:p>
+            <a:pPr marL="0" indent="0">
+              <a:buNone/>
+            </a:pPr>
+            <a:r>
+              <a:rPr lang="it-IT" dirty="0"/>
+              <a:t>• Miglioramento delle performance del codice: </a:t>
+            </a:r>
+            <a:r>
+              <a:rPr lang="it-IT" dirty="0" err="1"/>
+              <a:t>dart_analyze</a:t>
+            </a:r>
+            <a:br>
+              <a:rPr lang="it-IT" dirty="0"/>
+            </a:br>
+            <a:r>
+              <a:rPr lang="it-IT" dirty="0"/>
+              <a:t>• Calcolo </a:t>
+            </a:r>
+            <a:r>
+              <a:rPr lang="it-IT" dirty="0" err="1"/>
+              <a:t>complessita</a:t>
+            </a:r>
+            <a:r>
+              <a:rPr lang="it-IT" dirty="0"/>
+              <a:t>̀: </a:t>
+            </a:r>
+            <a:r>
+              <a:rPr lang="it-IT" dirty="0" err="1"/>
+              <a:t>flutter</a:t>
+            </a:r>
+            <a:r>
+              <a:rPr lang="it-IT" dirty="0"/>
+              <a:t> pub </a:t>
+            </a:r>
+            <a:r>
+              <a:rPr lang="it-IT" dirty="0" err="1"/>
+              <a:t>run</a:t>
+            </a:r>
+            <a:r>
+              <a:rPr lang="it-IT" dirty="0"/>
+              <a:t> </a:t>
+            </a:r>
+            <a:r>
+              <a:rPr lang="it-IT" dirty="0" err="1"/>
+              <a:t>dart_code_metrics:metrics</a:t>
+            </a:r>
+            <a:r>
+              <a:rPr lang="it-IT" dirty="0"/>
+              <a:t> </a:t>
+            </a:r>
+            <a:r>
+              <a:rPr lang="it-IT" dirty="0" err="1"/>
+              <a:t>analyze</a:t>
+            </a:r>
+            <a:r>
+              <a:rPr lang="it-IT" dirty="0"/>
+              <a:t> </a:t>
+            </a:r>
+            <a:r>
+              <a:rPr lang="it-IT" dirty="0" err="1"/>
+              <a:t>lib</a:t>
+            </a:r>
+            <a:br>
+              <a:rPr lang="it-IT" dirty="0"/>
+            </a:br>
+            <a:r>
+              <a:rPr lang="it-IT" dirty="0"/>
+              <a:t>• File non utilizzati: </a:t>
+            </a:r>
+            <a:r>
+              <a:rPr lang="it-IT" dirty="0" err="1"/>
+              <a:t>flutter</a:t>
+            </a:r>
+            <a:r>
+              <a:rPr lang="it-IT" dirty="0"/>
+              <a:t> pub </a:t>
+            </a:r>
+            <a:r>
+              <a:rPr lang="it-IT" dirty="0" err="1"/>
+              <a:t>run</a:t>
+            </a:r>
+            <a:r>
+              <a:rPr lang="it-IT" dirty="0"/>
+              <a:t> </a:t>
+            </a:r>
+            <a:r>
+              <a:rPr lang="it-IT" dirty="0" err="1"/>
+              <a:t>dart_code_metrics:metrics</a:t>
+            </a:r>
+            <a:r>
+              <a:rPr lang="it-IT" dirty="0"/>
+              <a:t> </a:t>
+            </a:r>
+            <a:r>
+              <a:rPr lang="it-IT" dirty="0" err="1"/>
+              <a:t>check-unused-files</a:t>
+            </a:r>
+            <a:r>
+              <a:rPr lang="it-IT" dirty="0"/>
+              <a:t> </a:t>
+            </a:r>
+            <a:r>
+              <a:rPr lang="it-IT" dirty="0" err="1"/>
+              <a:t>lib</a:t>
+            </a:r>
+            <a:r>
+              <a:rPr lang="it-IT" dirty="0"/>
+              <a:t> </a:t>
+            </a:r>
+          </a:p>
+          <a:p>
+            <a:pPr marL="0" indent="0">
+              <a:buNone/>
+            </a:pPr>
+            <a:endParaRPr lang="it-IT" dirty="0"/>
           </a:p>
         </p:txBody>
       </p:sp>
@@ -12766,7 +13355,110 @@
 </p:sld>
 </file>
 
-<file path=ppt/slides/slide14.xml><?xml version="1.0" encoding="utf-8"?>
+<file path=ppt/slides/slide17.xml><?xml version="1.0" encoding="utf-8"?>
+<p:sld xmlns:a="http://schemas.openxmlformats.org/drawingml/2006/main" xmlns:r="http://schemas.openxmlformats.org/officeDocument/2006/relationships" xmlns:p="http://schemas.openxmlformats.org/presentationml/2006/main">
+  <p:cSld>
+    <p:spTree>
+      <p:nvGrpSpPr>
+        <p:cNvPr id="1" name=""/>
+        <p:cNvGrpSpPr/>
+        <p:nvPr/>
+      </p:nvGrpSpPr>
+      <p:grpSpPr>
+        <a:xfrm>
+          <a:off x="0" y="0"/>
+          <a:ext cx="0" cy="0"/>
+          <a:chOff x="0" y="0"/>
+          <a:chExt cx="0" cy="0"/>
+        </a:xfrm>
+      </p:grpSpPr>
+      <p:sp>
+        <p:nvSpPr>
+          <p:cNvPr id="2" name="Titolo 1">
+            <a:extLst>
+              <a:ext uri="{FF2B5EF4-FFF2-40B4-BE49-F238E27FC236}">
+                <a16:creationId xmlns:a16="http://schemas.microsoft.com/office/drawing/2014/main" id="{BBB49B38-409A-684E-9A45-E9F0959B5E65}"/>
+              </a:ext>
+            </a:extLst>
+          </p:cNvPr>
+          <p:cNvSpPr>
+            <a:spLocks noGrp="1"/>
+          </p:cNvSpPr>
+          <p:nvPr>
+            <p:ph type="title"/>
+          </p:nvPr>
+        </p:nvSpPr>
+        <p:spPr/>
+        <p:txBody>
+          <a:bodyPr/>
+          <a:lstStyle/>
+          <a:p>
+            <a:r>
+              <a:rPr lang="it-IT" dirty="0" err="1"/>
+              <a:t>refactoring</a:t>
+            </a:r>
+            <a:endParaRPr lang="it-IT" dirty="0"/>
+          </a:p>
+        </p:txBody>
+      </p:sp>
+      <p:sp>
+        <p:nvSpPr>
+          <p:cNvPr id="3" name="Segnaposto contenuto 2">
+            <a:extLst>
+              <a:ext uri="{FF2B5EF4-FFF2-40B4-BE49-F238E27FC236}">
+                <a16:creationId xmlns:a16="http://schemas.microsoft.com/office/drawing/2014/main" id="{F922C0DB-C3CC-C94F-A4F4-AB82667E5CDA}"/>
+              </a:ext>
+            </a:extLst>
+          </p:cNvPr>
+          <p:cNvSpPr>
+            <a:spLocks noGrp="1"/>
+          </p:cNvSpPr>
+          <p:nvPr>
+            <p:ph idx="1"/>
+          </p:nvPr>
+        </p:nvSpPr>
+        <p:spPr/>
+        <p:txBody>
+          <a:bodyPr/>
+          <a:lstStyle/>
+          <a:p>
+            <a:r>
+              <a:rPr lang="it-IT" dirty="0"/>
+              <a:t>Migliorare la qualità del codice</a:t>
+            </a:r>
+          </a:p>
+          <a:p>
+            <a:r>
+              <a:rPr lang="it-IT" dirty="0"/>
+              <a:t>Togliere anti-pattern</a:t>
+            </a:r>
+          </a:p>
+          <a:p>
+            <a:r>
+              <a:rPr lang="it-IT" dirty="0"/>
+              <a:t>Migliorare le performance tramite il comando </a:t>
+            </a:r>
+            <a:r>
+              <a:rPr lang="it-IT"/>
+              <a:t>dart_analyze</a:t>
+            </a:r>
+          </a:p>
+        </p:txBody>
+      </p:sp>
+    </p:spTree>
+    <p:extLst>
+      <p:ext uri="{BB962C8B-B14F-4D97-AF65-F5344CB8AC3E}">
+        <p14:creationId xmlns:p14="http://schemas.microsoft.com/office/powerpoint/2010/main" val="829683031"/>
+      </p:ext>
+    </p:extLst>
+  </p:cSld>
+  <p:clrMapOvr>
+    <a:masterClrMapping/>
+  </p:clrMapOvr>
+</p:sld>
+</file>
+
+<file path=ppt/slides/slide18.xml><?xml version="1.0" encoding="utf-8"?>
 <p:sld xmlns:a="http://schemas.openxmlformats.org/drawingml/2006/main" xmlns:r="http://schemas.openxmlformats.org/officeDocument/2006/relationships" xmlns:p="http://schemas.openxmlformats.org/presentationml/2006/main">
   <p:cSld>
     <p:spTree>
@@ -12835,8 +13527,21 @@
           <a:p>
             <a:r>
               <a:rPr lang="it-IT" dirty="0"/>
-              <a:t>Adattiva</a:t>
-            </a:r>
+              <a:t>Adattiva: si è modificato il codice per far fronte alla </a:t>
+            </a:r>
+            <a:r>
+              <a:rPr lang="it-IT" dirty="0" err="1"/>
+              <a:t>portability</a:t>
+            </a:r>
+            <a:r>
+              <a:rPr lang="it-IT" dirty="0"/>
+              <a:t>, inizialmente il progetto doveva essere solo per </a:t>
+            </a:r>
+            <a:r>
+              <a:rPr lang="it-IT" dirty="0" err="1"/>
+              <a:t>Android</a:t>
+            </a:r>
+            <a:endParaRPr lang="it-IT" dirty="0"/>
           </a:p>
           <a:p>
             <a:r>
@@ -12876,6 +13581,30 @@
 <file path=ppt/slides/slide2.xml><?xml version="1.0" encoding="utf-8"?>
 <p:sld xmlns:a="http://schemas.openxmlformats.org/drawingml/2006/main" xmlns:r="http://schemas.openxmlformats.org/officeDocument/2006/relationships" xmlns:p="http://schemas.openxmlformats.org/presentationml/2006/main">
   <p:cSld>
+    <p:bg>
+      <p:bgPr>
+        <a:blipFill>
+          <a:blip r:embed="rId2">
+            <a:duotone>
+              <a:schemeClr val="bg2">
+                <a:shade val="88000"/>
+                <a:hueMod val="106000"/>
+                <a:satMod val="140000"/>
+                <a:lumMod val="54000"/>
+              </a:schemeClr>
+              <a:schemeClr val="bg2">
+                <a:tint val="98000"/>
+                <a:hueMod val="90000"/>
+                <a:satMod val="150000"/>
+                <a:lumMod val="160000"/>
+              </a:schemeClr>
+            </a:duotone>
+          </a:blip>
+          <a:stretch/>
+        </a:blipFill>
+        <a:effectLst/>
+      </p:bgPr>
+    </p:bg>
     <p:spTree>
       <p:nvGrpSpPr>
         <p:cNvPr id="1" name=""/>
@@ -12906,9 +13635,16 @@
             <p:ph type="title"/>
           </p:nvPr>
         </p:nvSpPr>
-        <p:spPr/>
+        <p:spPr>
+          <a:xfrm>
+            <a:off x="5128643" y="618518"/>
+            <a:ext cx="6188402" cy="1478570"/>
+          </a:xfrm>
+        </p:spPr>
         <p:txBody>
-          <a:bodyPr/>
+          <a:bodyPr>
+            <a:normAutofit/>
+          </a:bodyPr>
           <a:lstStyle/>
           <a:p>
             <a:r>
@@ -12918,6 +13654,146 @@
           </a:p>
         </p:txBody>
       </p:sp>
+      <p:sp>
+        <p:nvSpPr>
+          <p:cNvPr id="12" name="Round Diagonal Corner Rectangle 6">
+            <a:extLst>
+              <a:ext uri="{FF2B5EF4-FFF2-40B4-BE49-F238E27FC236}">
+                <a16:creationId xmlns:a16="http://schemas.microsoft.com/office/drawing/2014/main" id="{C169E84F-4748-4D61-A105-357962627A38}"/>
+              </a:ext>
+              <a:ext uri="{C183D7F6-B498-43B3-948B-1728B52AA6E4}">
+                <adec:decorative xmlns:adec="http://schemas.microsoft.com/office/drawing/2017/decorative" val="1"/>
+              </a:ext>
+            </a:extLst>
+          </p:cNvPr>
+          <p:cNvSpPr>
+            <a:spLocks noGrp="1" noRot="1" noChangeAspect="1" noMove="1" noResize="1" noEditPoints="1" noAdjustHandles="1" noChangeArrowheads="1" noChangeShapeType="1" noTextEdit="1"/>
+          </p:cNvSpPr>
+          <p:nvPr>
+            <p:extLst>
+              <p:ext uri="{386F3935-93C4-4BCD-93E2-E3B085C9AB24}">
+                <p16:designElem xmlns:p16="http://schemas.microsoft.com/office/powerpoint/2015/main" val="1"/>
+              </p:ext>
+            </p:extLst>
+          </p:nvPr>
+        </p:nvSpPr>
+        <p:spPr>
+          <a:xfrm>
+            <a:off x="814579" y="808057"/>
+            <a:ext cx="3821429" cy="5234394"/>
+          </a:xfrm>
+          <a:prstGeom prst="round2DiagRect">
+            <a:avLst>
+              <a:gd name="adj1" fmla="val 11323"/>
+              <a:gd name="adj2" fmla="val 0"/>
+            </a:avLst>
+          </a:prstGeom>
+          <a:solidFill>
+            <a:srgbClr val="FFFFFF"/>
+          </a:solidFill>
+          <a:ln w="19050" cap="sq">
+            <a:solidFill>
+              <a:schemeClr val="tx2">
+                <a:lumMod val="60000"/>
+                <a:lumOff val="40000"/>
+                <a:alpha val="60000"/>
+              </a:schemeClr>
+            </a:solidFill>
+            <a:miter lim="800000"/>
+          </a:ln>
+          <a:effectLst>
+            <a:outerShdw blurRad="88900" dist="38100" dir="5400000" algn="t" rotWithShape="0">
+              <a:prstClr val="black">
+                <a:alpha val="40000"/>
+              </a:prstClr>
+            </a:outerShdw>
+          </a:effectLst>
+        </p:spPr>
+        <p:style>
+          <a:lnRef idx="2">
+            <a:schemeClr val="accent1">
+              <a:shade val="50000"/>
+            </a:schemeClr>
+          </a:lnRef>
+          <a:fillRef idx="1">
+            <a:schemeClr val="accent1"/>
+          </a:fillRef>
+          <a:effectRef idx="0">
+            <a:schemeClr val="accent1"/>
+          </a:effectRef>
+          <a:fontRef idx="minor">
+            <a:schemeClr val="lt1"/>
+          </a:fontRef>
+        </p:style>
+        <p:txBody>
+          <a:bodyPr rtlCol="0" anchor="ctr"/>
+          <a:lstStyle/>
+          <a:p>
+            <a:pPr algn="ctr"/>
+            <a:endParaRPr lang="en-US"/>
+          </a:p>
+        </p:txBody>
+      </p:sp>
+      <p:pic>
+        <p:nvPicPr>
+          <p:cNvPr id="7" name="Immagine 6" descr="Immagine che contiene testo, bigliettodavisita, busta, grafica vettoriale&#10;&#10;Descrizione generata automaticamente">
+            <a:extLst>
+              <a:ext uri="{FF2B5EF4-FFF2-40B4-BE49-F238E27FC236}">
+                <a16:creationId xmlns:a16="http://schemas.microsoft.com/office/drawing/2014/main" id="{6F2FF0FC-442A-2649-A1F1-1E23721BAE3F}"/>
+              </a:ext>
+            </a:extLst>
+          </p:cNvPr>
+          <p:cNvPicPr>
+            <a:picLocks noChangeAspect="1"/>
+          </p:cNvPicPr>
+          <p:nvPr/>
+        </p:nvPicPr>
+        <p:blipFill>
+          <a:blip r:embed="rId3"/>
+          <a:stretch>
+            <a:fillRect/>
+          </a:stretch>
+        </p:blipFill>
+        <p:spPr>
+          <a:xfrm>
+            <a:off x="1612760" y="1137622"/>
+            <a:ext cx="2206352" cy="2206352"/>
+          </a:xfrm>
+          <a:prstGeom prst="rect">
+            <a:avLst/>
+          </a:prstGeom>
+        </p:spPr>
+      </p:pic>
+      <p:pic>
+        <p:nvPicPr>
+          <p:cNvPr id="5" name="Immagine 4" descr="Immagine che contiene testo, stazionario&#10;&#10;Descrizione generata automaticamente">
+            <a:extLst>
+              <a:ext uri="{FF2B5EF4-FFF2-40B4-BE49-F238E27FC236}">
+                <a16:creationId xmlns:a16="http://schemas.microsoft.com/office/drawing/2014/main" id="{EA216C29-D302-3445-809F-8159CD7E9DC8}"/>
+              </a:ext>
+            </a:extLst>
+          </p:cNvPr>
+          <p:cNvPicPr>
+            <a:picLocks noChangeAspect="1"/>
+          </p:cNvPicPr>
+          <p:nvPr/>
+        </p:nvPicPr>
+        <p:blipFill>
+          <a:blip r:embed="rId4"/>
+          <a:stretch>
+            <a:fillRect/>
+          </a:stretch>
+        </p:blipFill>
+        <p:spPr>
+          <a:xfrm>
+            <a:off x="1587912" y="3508565"/>
+            <a:ext cx="2256045" cy="2206353"/>
+          </a:xfrm>
+          <a:prstGeom prst="rect">
+            <a:avLst/>
+          </a:prstGeom>
+        </p:spPr>
+      </p:pic>
       <p:sp>
         <p:nvSpPr>
           <p:cNvPr id="3" name="Segnaposto contenuto 2">
@@ -12934,12 +13810,56 @@
             <p:ph idx="1"/>
           </p:nvPr>
         </p:nvSpPr>
-        <p:spPr/>
+        <p:spPr>
+          <a:xfrm>
+            <a:off x="5128643" y="2249487"/>
+            <a:ext cx="6188402" cy="3541714"/>
+          </a:xfrm>
+        </p:spPr>
         <p:txBody>
-          <a:bodyPr/>
+          <a:bodyPr>
+            <a:normAutofit/>
+          </a:bodyPr>
           <a:lstStyle/>
           <a:p>
-            <a:endParaRPr lang="it-IT"/>
+            <a:r>
+              <a:rPr lang="it-IT" dirty="0" err="1"/>
+              <a:t>Flutter</a:t>
+            </a:r>
+            <a:r>
+              <a:rPr lang="it-IT" dirty="0"/>
+              <a:t> &amp; Dart per la scrittura del codice</a:t>
+            </a:r>
+          </a:p>
+          <a:p>
+            <a:r>
+              <a:rPr lang="it-IT" dirty="0" err="1"/>
+              <a:t>StarUML</a:t>
+            </a:r>
+            <a:r>
+              <a:rPr lang="it-IT" dirty="0"/>
+              <a:t> per i diagrammi UML</a:t>
+            </a:r>
+          </a:p>
+          <a:p>
+            <a:r>
+              <a:rPr lang="it-IT" dirty="0" err="1"/>
+              <a:t>Github</a:t>
+            </a:r>
+            <a:r>
+              <a:rPr lang="it-IT" dirty="0"/>
+              <a:t> per la gestione dei file</a:t>
+            </a:r>
+          </a:p>
+          <a:p>
+            <a:r>
+              <a:rPr lang="it-IT" dirty="0" err="1"/>
+              <a:t>Vim</a:t>
+            </a:r>
+            <a:r>
+              <a:rPr lang="it-IT" dirty="0"/>
+              <a:t> e Visual studio code come IDE per la programmazione</a:t>
+            </a:r>
           </a:p>
         </p:txBody>
       </p:sp>
@@ -13030,7 +13950,30 @@
           <a:bodyPr/>
           <a:lstStyle/>
           <a:p>
-            <a:endParaRPr lang="it-IT"/>
+            <a:pPr marL="0" indent="0">
+              <a:buNone/>
+            </a:pPr>
+            <a:r>
+              <a:rPr lang="it-IT" dirty="0"/>
+              <a:t>Tecnica di sviluppo </a:t>
+            </a:r>
+            <a:r>
+              <a:rPr lang="it-IT" dirty="0" err="1"/>
+              <a:t>utilizzzata</a:t>
+            </a:r>
+            <a:r>
+              <a:rPr lang="it-IT" dirty="0"/>
+              <a:t>: SCRUM. </a:t>
+            </a:r>
+          </a:p>
+          <a:p>
+            <a:pPr marL="0" indent="0">
+              <a:buNone/>
+            </a:pPr>
+            <a:r>
+              <a:rPr lang="it-IT" dirty="0"/>
+              <a:t>Ruoli:</a:t>
+            </a:r>
           </a:p>
         </p:txBody>
       </p:sp>
@@ -13295,7 +14238,13 @@
           <a:bodyPr/>
           <a:lstStyle/>
           <a:p>
-            <a:endParaRPr lang="it-IT"/>
+            <a:pPr marL="0" indent="0">
+              <a:buNone/>
+            </a:pPr>
+            <a:r>
+              <a:rPr lang="it-IT" dirty="0"/>
+              <a:t>Prototipazione dell’interfaccia grafica</a:t>
+            </a:r>
           </a:p>
         </p:txBody>
       </p:sp>
@@ -13586,7 +14535,7 @@
           <p:cNvPr id="2" name="Titolo 1">
             <a:extLst>
               <a:ext uri="{FF2B5EF4-FFF2-40B4-BE49-F238E27FC236}">
-                <a16:creationId xmlns:a16="http://schemas.microsoft.com/office/drawing/2014/main" id="{D54FA476-0B9C-064E-AB93-80D21EDB575E}"/>
+                <a16:creationId xmlns:a16="http://schemas.microsoft.com/office/drawing/2014/main" id="{C5A2E90D-4510-AE49-9CA0-CB5AC468935C}"/>
               </a:ext>
             </a:extLst>
           </p:cNvPr>
@@ -13604,7 +14553,7 @@
           <a:p>
             <a:r>
               <a:rPr lang="it-IT" dirty="0"/>
-              <a:t>Sprint 2</a:t>
+              <a:t>Attori principali dell’architettura software</a:t>
             </a:r>
           </a:p>
         </p:txBody>
@@ -13614,7 +14563,7 @@
           <p:cNvPr id="3" name="Segnaposto contenuto 2">
             <a:extLst>
               <a:ext uri="{FF2B5EF4-FFF2-40B4-BE49-F238E27FC236}">
-                <a16:creationId xmlns:a16="http://schemas.microsoft.com/office/drawing/2014/main" id="{F9EFCE2C-2500-CC43-A18A-A0CB10B009C0}"/>
+                <a16:creationId xmlns:a16="http://schemas.microsoft.com/office/drawing/2014/main" id="{45C08AD5-AB9C-7240-9986-29ED91F200C0}"/>
               </a:ext>
             </a:extLst>
           </p:cNvPr>
@@ -13630,14 +14579,54 @@
           <a:bodyPr/>
           <a:lstStyle/>
           <a:p>
-            <a:endParaRPr lang="it-IT"/>
+            <a:r>
+              <a:rPr lang="it-IT" dirty="0" err="1"/>
+              <a:t>Connectors</a:t>
+            </a:r>
+            <a:r>
+              <a:rPr lang="it-IT" dirty="0"/>
+              <a:t>: </a:t>
+            </a:r>
+            <a:r>
+              <a:rPr lang="it-IT" dirty="0" err="1"/>
+              <a:t>shared</a:t>
+            </a:r>
+            <a:r>
+              <a:rPr lang="it-IT" dirty="0"/>
+              <a:t> </a:t>
+            </a:r>
+            <a:r>
+              <a:rPr lang="it-IT" dirty="0" err="1"/>
+              <a:t>blackboard</a:t>
+            </a:r>
+            <a:endParaRPr lang="it-IT" dirty="0"/>
+          </a:p>
+          <a:p>
+            <a:r>
+              <a:rPr lang="it-IT" dirty="0"/>
+              <a:t>Component: </a:t>
+            </a:r>
+            <a:r>
+              <a:rPr lang="it-IT" dirty="0" err="1"/>
+              <a:t>memory</a:t>
+            </a:r>
+            <a:r>
+              <a:rPr lang="it-IT" dirty="0"/>
+              <a:t> (data-base)</a:t>
+            </a:r>
+          </a:p>
+          <a:p>
+            <a:pPr marL="0" indent="0">
+              <a:buNone/>
+            </a:pPr>
+            <a:endParaRPr lang="it-IT" dirty="0"/>
           </a:p>
         </p:txBody>
       </p:sp>
     </p:spTree>
     <p:extLst>
       <p:ext uri="{BB962C8B-B14F-4D97-AF65-F5344CB8AC3E}">
-        <p14:creationId xmlns:p14="http://schemas.microsoft.com/office/powerpoint/2010/main" val="1689877656"/>
+        <p14:creationId xmlns:p14="http://schemas.microsoft.com/office/powerpoint/2010/main" val="1299837069"/>
       </p:ext>
     </p:extLst>
   </p:cSld>
